--- a/Docs/Slides/Meeting June 25.pptx
+++ b/Docs/Slides/Meeting June 25.pptx
@@ -6,17 +6,7 @@
   </p:sldMasterIdLst>
   <p:sldIdLst>
     <p:sldId id="305" r:id="rId2"/>
-    <p:sldId id="326" r:id="rId3"/>
-    <p:sldId id="324" r:id="rId4"/>
-    <p:sldId id="325" r:id="rId5"/>
-    <p:sldId id="328" r:id="rId6"/>
-    <p:sldId id="327" r:id="rId7"/>
-    <p:sldId id="329" r:id="rId8"/>
-    <p:sldId id="331" r:id="rId9"/>
-    <p:sldId id="330" r:id="rId10"/>
-    <p:sldId id="332" r:id="rId11"/>
-    <p:sldId id="334" r:id="rId12"/>
-    <p:sldId id="333" r:id="rId13"/>
+    <p:sldId id="306" r:id="rId3"/>
   </p:sldIdLst>
   <p:sldSz cx="12192000" cy="6858000"/>
   <p:notesSz cx="6858000" cy="9144000"/>
@@ -284,7 +274,7 @@
           <a:p>
             <a:fld id="{795C769C-ABF3-4C86-B447-994DD2EA1A41}" type="datetimeFigureOut">
               <a:rPr lang="en-CA" smtClean="0"/>
-              <a:t>2025-06-06</a:t>
+              <a:t>2025-06-14</a:t>
             </a:fld>
             <a:endParaRPr lang="en-CA"/>
           </a:p>
@@ -484,7 +474,7 @@
           <a:p>
             <a:fld id="{795C769C-ABF3-4C86-B447-994DD2EA1A41}" type="datetimeFigureOut">
               <a:rPr lang="en-CA" smtClean="0"/>
-              <a:t>2025-06-06</a:t>
+              <a:t>2025-06-14</a:t>
             </a:fld>
             <a:endParaRPr lang="en-CA"/>
           </a:p>
@@ -694,7 +684,7 @@
           <a:p>
             <a:fld id="{795C769C-ABF3-4C86-B447-994DD2EA1A41}" type="datetimeFigureOut">
               <a:rPr lang="en-CA" smtClean="0"/>
-              <a:t>2025-06-06</a:t>
+              <a:t>2025-06-14</a:t>
             </a:fld>
             <a:endParaRPr lang="en-CA"/>
           </a:p>
@@ -894,7 +884,7 @@
           <a:p>
             <a:fld id="{795C769C-ABF3-4C86-B447-994DD2EA1A41}" type="datetimeFigureOut">
               <a:rPr lang="en-CA" smtClean="0"/>
-              <a:t>2025-06-06</a:t>
+              <a:t>2025-06-14</a:t>
             </a:fld>
             <a:endParaRPr lang="en-CA"/>
           </a:p>
@@ -1170,7 +1160,7 @@
           <a:p>
             <a:fld id="{795C769C-ABF3-4C86-B447-994DD2EA1A41}" type="datetimeFigureOut">
               <a:rPr lang="en-CA" smtClean="0"/>
-              <a:t>2025-06-06</a:t>
+              <a:t>2025-06-14</a:t>
             </a:fld>
             <a:endParaRPr lang="en-CA"/>
           </a:p>
@@ -1438,7 +1428,7 @@
           <a:p>
             <a:fld id="{795C769C-ABF3-4C86-B447-994DD2EA1A41}" type="datetimeFigureOut">
               <a:rPr lang="en-CA" smtClean="0"/>
-              <a:t>2025-06-06</a:t>
+              <a:t>2025-06-14</a:t>
             </a:fld>
             <a:endParaRPr lang="en-CA"/>
           </a:p>
@@ -1853,7 +1843,7 @@
           <a:p>
             <a:fld id="{795C769C-ABF3-4C86-B447-994DD2EA1A41}" type="datetimeFigureOut">
               <a:rPr lang="en-CA" smtClean="0"/>
-              <a:t>2025-06-06</a:t>
+              <a:t>2025-06-14</a:t>
             </a:fld>
             <a:endParaRPr lang="en-CA"/>
           </a:p>
@@ -1995,7 +1985,7 @@
           <a:p>
             <a:fld id="{795C769C-ABF3-4C86-B447-994DD2EA1A41}" type="datetimeFigureOut">
               <a:rPr lang="en-CA" smtClean="0"/>
-              <a:t>2025-06-06</a:t>
+              <a:t>2025-06-14</a:t>
             </a:fld>
             <a:endParaRPr lang="en-CA"/>
           </a:p>
@@ -2108,7 +2098,7 @@
           <a:p>
             <a:fld id="{795C769C-ABF3-4C86-B447-994DD2EA1A41}" type="datetimeFigureOut">
               <a:rPr lang="en-CA" smtClean="0"/>
-              <a:t>2025-06-06</a:t>
+              <a:t>2025-06-14</a:t>
             </a:fld>
             <a:endParaRPr lang="en-CA"/>
           </a:p>
@@ -2421,7 +2411,7 @@
           <a:p>
             <a:fld id="{795C769C-ABF3-4C86-B447-994DD2EA1A41}" type="datetimeFigureOut">
               <a:rPr lang="en-CA" smtClean="0"/>
-              <a:t>2025-06-06</a:t>
+              <a:t>2025-06-14</a:t>
             </a:fld>
             <a:endParaRPr lang="en-CA"/>
           </a:p>
@@ -2710,7 +2700,7 @@
           <a:p>
             <a:fld id="{795C769C-ABF3-4C86-B447-994DD2EA1A41}" type="datetimeFigureOut">
               <a:rPr lang="en-CA" smtClean="0"/>
-              <a:t>2025-06-06</a:t>
+              <a:t>2025-06-14</a:t>
             </a:fld>
             <a:endParaRPr lang="en-CA"/>
           </a:p>
@@ -2953,7 +2943,7 @@
           <a:p>
             <a:fld id="{795C769C-ABF3-4C86-B447-994DD2EA1A41}" type="datetimeFigureOut">
               <a:rPr lang="en-CA" smtClean="0"/>
-              <a:t>2025-06-06</a:t>
+              <a:t>2025-06-14</a:t>
             </a:fld>
             <a:endParaRPr lang="en-CA"/>
           </a:p>
@@ -3372,34 +3362,6 @@
       </p:grpSpPr>
       <p:sp>
         <p:nvSpPr>
-          <p:cNvPr id="2" name="Title 1">
-            <a:extLst>
-              <a:ext uri="{FF2B5EF4-FFF2-40B4-BE49-F238E27FC236}">
-                <a16:creationId xmlns:a16="http://schemas.microsoft.com/office/drawing/2014/main" id="{873387C5-04AA-2231-4E59-D14F24B4E63B}"/>
-              </a:ext>
-            </a:extLst>
-          </p:cNvPr>
-          <p:cNvSpPr>
-            <a:spLocks noGrp="1"/>
-          </p:cNvSpPr>
-          <p:nvPr>
-            <p:ph type="ctrTitle"/>
-          </p:nvPr>
-        </p:nvSpPr>
-        <p:spPr/>
-        <p:txBody>
-          <a:bodyPr/>
-          <a:lstStyle/>
-          <a:p>
-            <a:r>
-              <a:rPr lang="en-CA"/>
-              <a:t>Manual (not Tecplot) cell connections</a:t>
-            </a:r>
-          </a:p>
-        </p:txBody>
-      </p:sp>
-      <p:sp>
-        <p:nvSpPr>
           <p:cNvPr id="4" name="Title 1">
             <a:extLst>
               <a:ext uri="{FF2B5EF4-FFF2-40B4-BE49-F238E27FC236}">
@@ -3447,7 +3409,96 @@
           <a:p>
             <a:r>
               <a:rPr lang="en-CA"/>
-              <a:t>Meeting May 27, 2025</a:t>
+              <a:t>Meeting June, 2025</a:t>
+            </a:r>
+          </a:p>
+        </p:txBody>
+      </p:sp>
+      <p:sp>
+        <p:nvSpPr>
+          <p:cNvPr id="3" name="TextBox 2">
+            <a:extLst>
+              <a:ext uri="{FF2B5EF4-FFF2-40B4-BE49-F238E27FC236}">
+                <a16:creationId xmlns:a16="http://schemas.microsoft.com/office/drawing/2014/main" id="{CBBFB73E-B10F-2107-1360-7BC4986413AE}"/>
+              </a:ext>
+            </a:extLst>
+          </p:cNvPr>
+          <p:cNvSpPr txBox="1"/>
+          <p:nvPr/>
+        </p:nvSpPr>
+        <p:spPr>
+          <a:xfrm>
+            <a:off x="838200" y="1123406"/>
+            <a:ext cx="8725988" cy="4832092"/>
+          </a:xfrm>
+          <a:prstGeom prst="rect">
+            <a:avLst/>
+          </a:prstGeom>
+          <a:noFill/>
+        </p:spPr>
+        <p:txBody>
+          <a:bodyPr wrap="square" rtlCol="0">
+            <a:spAutoFit/>
+          </a:bodyPr>
+          <a:lstStyle/>
+          <a:p>
+            <a:r>
+              <a:rPr lang="en-CA" sz="2800" b="1"/>
+              <a:t>Changes of note</a:t>
+            </a:r>
+            <a:r>
+              <a:rPr lang="en-CA" sz="2800"/>
+              <a:t>:</a:t>
+            </a:r>
+          </a:p>
+          <a:p>
+            <a:pPr marL="285750" indent="-285750">
+              <a:buFont typeface="Arial" panose="020B0604020202020204" pitchFamily="34" charset="0"/>
+              <a:buChar char="•"/>
+            </a:pPr>
+            <a:r>
+              <a:rPr lang="en-CA" sz="2800"/>
+              <a:t>MUT no longer requires Tecplot to generate IA, JA (ConnectionList) arrays</a:t>
+            </a:r>
+          </a:p>
+          <a:p>
+            <a:pPr marL="285750" indent="-285750">
+              <a:buFont typeface="Arial" panose="020B0604020202020204" pitchFamily="34" charset="0"/>
+              <a:buChar char="•"/>
+            </a:pPr>
+            <a:r>
+              <a:rPr lang="en-CA" sz="2800"/>
+              <a:t>There is a MUT_Batch program that has been configured to run the verification problems</a:t>
+            </a:r>
+          </a:p>
+          <a:p>
+            <a:pPr marL="285750" indent="-285750">
+              <a:buFont typeface="Arial" panose="020B0604020202020204" pitchFamily="34" charset="0"/>
+              <a:buChar char="•"/>
+            </a:pPr>
+            <a:r>
+              <a:rPr lang="en-CA" sz="2800"/>
+              <a:t>Simple saturated-flow case now runs but drawdown for the Theis pumping example is much less than predicted</a:t>
+            </a:r>
+          </a:p>
+          <a:p>
+            <a:pPr marL="285750" indent="-285750">
+              <a:buFont typeface="Arial" panose="020B0604020202020204" pitchFamily="34" charset="0"/>
+              <a:buChar char="•"/>
+            </a:pPr>
+            <a:r>
+              <a:rPr lang="en-CA" sz="2800"/>
+              <a:t>Bug with triangle boundry element having three boundary nodes fixed</a:t>
+            </a:r>
+          </a:p>
+          <a:p>
+            <a:pPr marL="285750" indent="-285750">
+              <a:buFont typeface="Arial" panose="020B0604020202020204" pitchFamily="34" charset="0"/>
+              <a:buChar char="•"/>
+            </a:pPr>
+            <a:r>
+              <a:rPr lang="en-CA" sz="2800"/>
+              <a:t>Tested verification suite with Release mode version of MUT</a:t>
             </a:r>
           </a:p>
         </p:txBody>
@@ -3456,264 +3507,6 @@
     <p:extLst>
       <p:ext uri="{BB962C8B-B14F-4D97-AF65-F5344CB8AC3E}">
         <p14:creationId xmlns:p14="http://schemas.microsoft.com/office/powerpoint/2010/main" val="2703993742"/>
-      </p:ext>
-    </p:extLst>
-  </p:cSld>
-  <p:clrMapOvr>
-    <a:masterClrMapping/>
-  </p:clrMapOvr>
-</p:sld>
-</file>
-
-<file path=ppt/slides/slide10.xml><?xml version="1.0" encoding="utf-8"?>
-<p:sld xmlns:a="http://schemas.openxmlformats.org/drawingml/2006/main" xmlns:r="http://schemas.openxmlformats.org/officeDocument/2006/relationships" xmlns:p="http://schemas.openxmlformats.org/presentationml/2006/main">
-  <p:cSld>
-    <p:spTree>
-      <p:nvGrpSpPr>
-        <p:cNvPr id="1" name=""/>
-        <p:cNvGrpSpPr/>
-        <p:nvPr/>
-      </p:nvGrpSpPr>
-      <p:grpSpPr>
-        <a:xfrm>
-          <a:off x="0" y="0"/>
-          <a:ext cx="0" cy="0"/>
-          <a:chOff x="0" y="0"/>
-          <a:chExt cx="0" cy="0"/>
-        </a:xfrm>
-      </p:grpSpPr>
-      <p:pic>
-        <p:nvPicPr>
-          <p:cNvPr id="3" name="Picture 2">
-            <a:extLst>
-              <a:ext uri="{FF2B5EF4-FFF2-40B4-BE49-F238E27FC236}">
-                <a16:creationId xmlns:a16="http://schemas.microsoft.com/office/drawing/2014/main" id="{FE713435-26AB-505D-C89E-0A1BD2E75408}"/>
-              </a:ext>
-            </a:extLst>
-          </p:cNvPr>
-          <p:cNvPicPr>
-            <a:picLocks noChangeAspect="1"/>
-          </p:cNvPicPr>
-          <p:nvPr/>
-        </p:nvPicPr>
-        <p:blipFill>
-          <a:blip r:embed="rId2"/>
-          <a:stretch>
-            <a:fillRect/>
-          </a:stretch>
-        </p:blipFill>
-        <p:spPr>
-          <a:xfrm>
-            <a:off x="0" y="0"/>
-            <a:ext cx="12192000" cy="6858000"/>
-          </a:xfrm>
-          <a:prstGeom prst="rect">
-            <a:avLst/>
-          </a:prstGeom>
-        </p:spPr>
-      </p:pic>
-      <p:sp>
-        <p:nvSpPr>
-          <p:cNvPr id="4" name="TextBox 3">
-            <a:extLst>
-              <a:ext uri="{FF2B5EF4-FFF2-40B4-BE49-F238E27FC236}">
-                <a16:creationId xmlns:a16="http://schemas.microsoft.com/office/drawing/2014/main" id="{F12BE35F-C1D1-CFF5-4243-0630282F42B0}"/>
-              </a:ext>
-            </a:extLst>
-          </p:cNvPr>
-          <p:cNvSpPr txBox="1"/>
-          <p:nvPr/>
-        </p:nvSpPr>
-        <p:spPr>
-          <a:xfrm>
-            <a:off x="7193281" y="104503"/>
-            <a:ext cx="4701830" cy="369332"/>
-          </a:xfrm>
-          <a:prstGeom prst="rect">
-            <a:avLst/>
-          </a:prstGeom>
-          <a:solidFill>
-            <a:srgbClr val="FFFF00"/>
-          </a:solidFill>
-        </p:spPr>
-        <p:txBody>
-          <a:bodyPr wrap="square" rtlCol="0">
-            <a:spAutoFit/>
-          </a:bodyPr>
-          <a:lstStyle/>
-          <a:p>
-            <a:r>
-              <a:rPr lang="en-CA"/>
-              <a:t>Node-centred</a:t>
-            </a:r>
-          </a:p>
-        </p:txBody>
-      </p:sp>
-    </p:spTree>
-    <p:extLst>
-      <p:ext uri="{BB962C8B-B14F-4D97-AF65-F5344CB8AC3E}">
-        <p14:creationId xmlns:p14="http://schemas.microsoft.com/office/powerpoint/2010/main" val="2916484403"/>
-      </p:ext>
-    </p:extLst>
-  </p:cSld>
-  <p:clrMapOvr>
-    <a:masterClrMapping/>
-  </p:clrMapOvr>
-</p:sld>
-</file>
-
-<file path=ppt/slides/slide11.xml><?xml version="1.0" encoding="utf-8"?>
-<p:sld xmlns:a="http://schemas.openxmlformats.org/drawingml/2006/main" xmlns:r="http://schemas.openxmlformats.org/officeDocument/2006/relationships" xmlns:p="http://schemas.openxmlformats.org/presentationml/2006/main">
-  <p:cSld>
-    <p:spTree>
-      <p:nvGrpSpPr>
-        <p:cNvPr id="1" name="">
-          <a:extLst>
-            <a:ext uri="{FF2B5EF4-FFF2-40B4-BE49-F238E27FC236}">
-              <a16:creationId xmlns:a16="http://schemas.microsoft.com/office/drawing/2014/main" id="{50172F41-354F-CA40-BA1C-2492611A943A}"/>
-            </a:ext>
-          </a:extLst>
-        </p:cNvPr>
-        <p:cNvGrpSpPr/>
-        <p:nvPr/>
-      </p:nvGrpSpPr>
-      <p:grpSpPr>
-        <a:xfrm>
-          <a:off x="0" y="0"/>
-          <a:ext cx="0" cy="0"/>
-          <a:chOff x="0" y="0"/>
-          <a:chExt cx="0" cy="0"/>
-        </a:xfrm>
-      </p:grpSpPr>
-      <p:sp>
-        <p:nvSpPr>
-          <p:cNvPr id="2" name="Title 1">
-            <a:extLst>
-              <a:ext uri="{FF2B5EF4-FFF2-40B4-BE49-F238E27FC236}">
-                <a16:creationId xmlns:a16="http://schemas.microsoft.com/office/drawing/2014/main" id="{E92DC116-BE26-8F06-535E-D2A68085AB22}"/>
-              </a:ext>
-            </a:extLst>
-          </p:cNvPr>
-          <p:cNvSpPr>
-            <a:spLocks noGrp="1"/>
-          </p:cNvSpPr>
-          <p:nvPr>
-            <p:ph type="title"/>
-          </p:nvPr>
-        </p:nvSpPr>
-        <p:spPr/>
-        <p:txBody>
-          <a:bodyPr>
-            <a:noAutofit/>
-          </a:bodyPr>
-          <a:lstStyle/>
-          <a:p>
-            <a:r>
-              <a:rPr lang="en-CA" sz="3600"/>
-              <a:t>7_SuperSlab problem results with latest version Modflow-User-Tools version  1.42 faces</a:t>
-            </a:r>
-            <a:br>
-              <a:rPr lang="en-CA" sz="3600"/>
-            </a:br>
-            <a:endParaRPr lang="en-CA" sz="3600"/>
-          </a:p>
-        </p:txBody>
-      </p:sp>
-      <p:sp>
-        <p:nvSpPr>
-          <p:cNvPr id="3" name="Content Placeholder 2">
-            <a:extLst>
-              <a:ext uri="{FF2B5EF4-FFF2-40B4-BE49-F238E27FC236}">
-                <a16:creationId xmlns:a16="http://schemas.microsoft.com/office/drawing/2014/main" id="{F23A8E60-947B-FF50-E1C8-8F71CFA2BD95}"/>
-              </a:ext>
-            </a:extLst>
-          </p:cNvPr>
-          <p:cNvSpPr>
-            <a:spLocks noGrp="1"/>
-          </p:cNvSpPr>
-          <p:nvPr>
-            <p:ph idx="1"/>
-          </p:nvPr>
-        </p:nvSpPr>
-        <p:spPr/>
-        <p:txBody>
-          <a:bodyPr/>
-          <a:lstStyle/>
-          <a:p>
-            <a:r>
-              <a:rPr lang="en-CA"/>
-              <a:t>Next  slides shows saturation at 4 hours</a:t>
-            </a:r>
-          </a:p>
-          <a:p>
-            <a:endParaRPr lang="en-CA"/>
-          </a:p>
-        </p:txBody>
-      </p:sp>
-    </p:spTree>
-    <p:extLst>
-      <p:ext uri="{BB962C8B-B14F-4D97-AF65-F5344CB8AC3E}">
-        <p14:creationId xmlns:p14="http://schemas.microsoft.com/office/powerpoint/2010/main" val="715516429"/>
-      </p:ext>
-    </p:extLst>
-  </p:cSld>
-  <p:clrMapOvr>
-    <a:masterClrMapping/>
-  </p:clrMapOvr>
-</p:sld>
-</file>
-
-<file path=ppt/slides/slide12.xml><?xml version="1.0" encoding="utf-8"?>
-<p:sld xmlns:a="http://schemas.openxmlformats.org/drawingml/2006/main" xmlns:r="http://schemas.openxmlformats.org/officeDocument/2006/relationships" xmlns:p="http://schemas.openxmlformats.org/presentationml/2006/main">
-  <p:cSld>
-    <p:spTree>
-      <p:nvGrpSpPr>
-        <p:cNvPr id="1" name=""/>
-        <p:cNvGrpSpPr/>
-        <p:nvPr/>
-      </p:nvGrpSpPr>
-      <p:grpSpPr>
-        <a:xfrm>
-          <a:off x="0" y="0"/>
-          <a:ext cx="0" cy="0"/>
-          <a:chOff x="0" y="0"/>
-          <a:chExt cx="0" cy="0"/>
-        </a:xfrm>
-      </p:grpSpPr>
-      <p:pic>
-        <p:nvPicPr>
-          <p:cNvPr id="3" name="Picture 2">
-            <a:extLst>
-              <a:ext uri="{FF2B5EF4-FFF2-40B4-BE49-F238E27FC236}">
-                <a16:creationId xmlns:a16="http://schemas.microsoft.com/office/drawing/2014/main" id="{1BDB8354-0DEC-6783-2601-789722FFAFAC}"/>
-              </a:ext>
-            </a:extLst>
-          </p:cNvPr>
-          <p:cNvPicPr>
-            <a:picLocks noChangeAspect="1"/>
-          </p:cNvPicPr>
-          <p:nvPr/>
-        </p:nvPicPr>
-        <p:blipFill>
-          <a:blip r:embed="rId2"/>
-          <a:stretch>
-            <a:fillRect/>
-          </a:stretch>
-        </p:blipFill>
-        <p:spPr>
-          <a:xfrm>
-            <a:off x="0" y="0"/>
-            <a:ext cx="12192000" cy="6858000"/>
-          </a:xfrm>
-          <a:prstGeom prst="rect">
-            <a:avLst/>
-          </a:prstGeom>
-        </p:spPr>
-      </p:pic>
-    </p:spTree>
-    <p:extLst>
-      <p:ext uri="{BB962C8B-B14F-4D97-AF65-F5344CB8AC3E}">
-        <p14:creationId xmlns:p14="http://schemas.microsoft.com/office/powerpoint/2010/main" val="385575036"/>
       </p:ext>
     </p:extLst>
   </p:cSld>
@@ -3745,7 +3538,7 @@
           <p:cNvPr id="2" name="Title 1">
             <a:extLst>
               <a:ext uri="{FF2B5EF4-FFF2-40B4-BE49-F238E27FC236}">
-                <a16:creationId xmlns:a16="http://schemas.microsoft.com/office/drawing/2014/main" id="{BC65F54F-94D9-62F1-C936-8781313CEA4B}"/>
+                <a16:creationId xmlns:a16="http://schemas.microsoft.com/office/drawing/2014/main" id="{62D8E182-628E-FD31-CDD7-0953E8635543}"/>
               </a:ext>
             </a:extLst>
           </p:cNvPr>
@@ -3763,7 +3556,7 @@
           <a:p>
             <a:r>
               <a:rPr lang="en-CA"/>
-              <a:t>Abdul problem mesh-centred outflow results</a:t>
+              <a:t>MUT_Batch</a:t>
             </a:r>
           </a:p>
         </p:txBody>
@@ -3773,7 +3566,7 @@
           <p:cNvPr id="3" name="Content Placeholder 2">
             <a:extLst>
               <a:ext uri="{FF2B5EF4-FFF2-40B4-BE49-F238E27FC236}">
-                <a16:creationId xmlns:a16="http://schemas.microsoft.com/office/drawing/2014/main" id="{0B00757F-8EBE-10AC-8FEA-0499BF693616}"/>
+                <a16:creationId xmlns:a16="http://schemas.microsoft.com/office/drawing/2014/main" id="{CA444FF4-B956-3AC6-8A55-5546A3FD4368}"/>
               </a:ext>
             </a:extLst>
           </p:cNvPr>
@@ -3791,696 +3584,48 @@
           <a:p>
             <a:r>
               <a:rPr lang="en-CA"/>
-              <a:t>Next 2 slides compare the results before and after code modification</a:t>
-            </a:r>
+              <a:t>This is similar to the old HGS HSBatch program</a:t>
+            </a:r>
+          </a:p>
+          <a:p>
+            <a:r>
+              <a:rPr lang="en-CA"/>
+              <a:t>The repository is here:</a:t>
+            </a:r>
+          </a:p>
+          <a:p>
+            <a:pPr marL="914400" lvl="2" indent="0">
+              <a:buNone/>
+            </a:pPr>
+            <a:r>
+              <a:rPr lang="en-CA">
+                <a:hlinkClick r:id="rId2"/>
+              </a:rPr>
+              <a:t>https://github.com/Grdbldr/MUT_Batch.git</a:t>
+            </a:r>
+            <a:endParaRPr lang="en-CA"/>
+          </a:p>
+          <a:p>
+            <a:pPr marL="914400" lvl="2" indent="0">
+              <a:buNone/>
+            </a:pPr>
+            <a:endParaRPr lang="en-CA"/>
+          </a:p>
+          <a:p>
+            <a:endParaRPr lang="en-CA"/>
+          </a:p>
+          <a:p>
+            <a:endParaRPr lang="en-CA"/>
+          </a:p>
+          <a:p>
+            <a:endParaRPr lang="en-CA"/>
           </a:p>
         </p:txBody>
       </p:sp>
     </p:spTree>
     <p:extLst>
       <p:ext uri="{BB962C8B-B14F-4D97-AF65-F5344CB8AC3E}">
-        <p14:creationId xmlns:p14="http://schemas.microsoft.com/office/powerpoint/2010/main" val="507361375"/>
-      </p:ext>
-    </p:extLst>
-  </p:cSld>
-  <p:clrMapOvr>
-    <a:masterClrMapping/>
-  </p:clrMapOvr>
-</p:sld>
-</file>
-
-<file path=ppt/slides/slide3.xml><?xml version="1.0" encoding="utf-8"?>
-<p:sld xmlns:a="http://schemas.openxmlformats.org/drawingml/2006/main" xmlns:r="http://schemas.openxmlformats.org/officeDocument/2006/relationships" xmlns:p="http://schemas.openxmlformats.org/presentationml/2006/main">
-  <p:cSld>
-    <p:spTree>
-      <p:nvGrpSpPr>
-        <p:cNvPr id="1" name=""/>
-        <p:cNvGrpSpPr/>
-        <p:nvPr/>
-      </p:nvGrpSpPr>
-      <p:grpSpPr>
-        <a:xfrm>
-          <a:off x="0" y="0"/>
-          <a:ext cx="0" cy="0"/>
-          <a:chOff x="0" y="0"/>
-          <a:chExt cx="0" cy="0"/>
-        </a:xfrm>
-      </p:grpSpPr>
-      <p:pic>
-        <p:nvPicPr>
-          <p:cNvPr id="8" name="Picture 7">
-            <a:extLst>
-              <a:ext uri="{FF2B5EF4-FFF2-40B4-BE49-F238E27FC236}">
-                <a16:creationId xmlns:a16="http://schemas.microsoft.com/office/drawing/2014/main" id="{00B0F6D8-8C90-B33A-9516-28C7F55801CB}"/>
-              </a:ext>
-            </a:extLst>
-          </p:cNvPr>
-          <p:cNvPicPr>
-            <a:picLocks noChangeAspect="1"/>
-          </p:cNvPicPr>
-          <p:nvPr/>
-        </p:nvPicPr>
-        <p:blipFill>
-          <a:blip r:embed="rId2"/>
-          <a:stretch>
-            <a:fillRect/>
-          </a:stretch>
-        </p:blipFill>
-        <p:spPr>
-          <a:xfrm>
-            <a:off x="0" y="0"/>
-            <a:ext cx="12192000" cy="6858000"/>
-          </a:xfrm>
-          <a:prstGeom prst="rect">
-            <a:avLst/>
-          </a:prstGeom>
-        </p:spPr>
-      </p:pic>
-      <p:sp>
-        <p:nvSpPr>
-          <p:cNvPr id="6" name="TextBox 5">
-            <a:extLst>
-              <a:ext uri="{FF2B5EF4-FFF2-40B4-BE49-F238E27FC236}">
-                <a16:creationId xmlns:a16="http://schemas.microsoft.com/office/drawing/2014/main" id="{80DFB4FD-988F-F64D-6AFF-B9FFD6DD7313}"/>
-              </a:ext>
-            </a:extLst>
-          </p:cNvPr>
-          <p:cNvSpPr txBox="1"/>
-          <p:nvPr/>
-        </p:nvSpPr>
-        <p:spPr>
-          <a:xfrm>
-            <a:off x="7193281" y="104503"/>
-            <a:ext cx="4701830" cy="369332"/>
-          </a:xfrm>
-          <a:prstGeom prst="rect">
-            <a:avLst/>
-          </a:prstGeom>
-          <a:solidFill>
-            <a:srgbClr val="FFFF00"/>
-          </a:solidFill>
-        </p:spPr>
-        <p:txBody>
-          <a:bodyPr wrap="square" rtlCol="0">
-            <a:spAutoFit/>
-          </a:bodyPr>
-          <a:lstStyle/>
-          <a:p>
-            <a:r>
-              <a:rPr lang="en-CA"/>
-              <a:t>Modflow-User-Tools version  1.40 Beta</a:t>
-            </a:r>
-          </a:p>
-        </p:txBody>
-      </p:sp>
-    </p:spTree>
-    <p:extLst>
-      <p:ext uri="{BB962C8B-B14F-4D97-AF65-F5344CB8AC3E}">
-        <p14:creationId xmlns:p14="http://schemas.microsoft.com/office/powerpoint/2010/main" val="733638606"/>
-      </p:ext>
-    </p:extLst>
-  </p:cSld>
-  <p:clrMapOvr>
-    <a:masterClrMapping/>
-  </p:clrMapOvr>
-</p:sld>
-</file>
-
-<file path=ppt/slides/slide4.xml><?xml version="1.0" encoding="utf-8"?>
-<p:sld xmlns:a="http://schemas.openxmlformats.org/drawingml/2006/main" xmlns:r="http://schemas.openxmlformats.org/officeDocument/2006/relationships" xmlns:p="http://schemas.openxmlformats.org/presentationml/2006/main">
-  <p:cSld>
-    <p:spTree>
-      <p:nvGrpSpPr>
-        <p:cNvPr id="1" name=""/>
-        <p:cNvGrpSpPr/>
-        <p:nvPr/>
-      </p:nvGrpSpPr>
-      <p:grpSpPr>
-        <a:xfrm>
-          <a:off x="0" y="0"/>
-          <a:ext cx="0" cy="0"/>
-          <a:chOff x="0" y="0"/>
-          <a:chExt cx="0" cy="0"/>
-        </a:xfrm>
-      </p:grpSpPr>
-      <p:pic>
-        <p:nvPicPr>
-          <p:cNvPr id="5" name="Picture 4">
-            <a:extLst>
-              <a:ext uri="{FF2B5EF4-FFF2-40B4-BE49-F238E27FC236}">
-                <a16:creationId xmlns:a16="http://schemas.microsoft.com/office/drawing/2014/main" id="{03744447-9279-2C6A-260C-327AAF1E5C0D}"/>
-              </a:ext>
-            </a:extLst>
-          </p:cNvPr>
-          <p:cNvPicPr>
-            <a:picLocks noChangeAspect="1"/>
-          </p:cNvPicPr>
-          <p:nvPr/>
-        </p:nvPicPr>
-        <p:blipFill>
-          <a:blip r:embed="rId2"/>
-          <a:stretch>
-            <a:fillRect/>
-          </a:stretch>
-        </p:blipFill>
-        <p:spPr>
-          <a:xfrm>
-            <a:off x="0" y="0"/>
-            <a:ext cx="12192000" cy="6858000"/>
-          </a:xfrm>
-          <a:prstGeom prst="rect">
-            <a:avLst/>
-          </a:prstGeom>
-        </p:spPr>
-      </p:pic>
-      <p:sp>
-        <p:nvSpPr>
-          <p:cNvPr id="4" name="TextBox 3">
-            <a:extLst>
-              <a:ext uri="{FF2B5EF4-FFF2-40B4-BE49-F238E27FC236}">
-                <a16:creationId xmlns:a16="http://schemas.microsoft.com/office/drawing/2014/main" id="{BB589936-1D41-73CC-EE55-D0A81E4C0B48}"/>
-              </a:ext>
-            </a:extLst>
-          </p:cNvPr>
-          <p:cNvSpPr txBox="1"/>
-          <p:nvPr/>
-        </p:nvSpPr>
-        <p:spPr>
-          <a:xfrm>
-            <a:off x="7193281" y="104503"/>
-            <a:ext cx="4701830" cy="369332"/>
-          </a:xfrm>
-          <a:prstGeom prst="rect">
-            <a:avLst/>
-          </a:prstGeom>
-          <a:solidFill>
-            <a:srgbClr val="FFFF00"/>
-          </a:solidFill>
-        </p:spPr>
-        <p:txBody>
-          <a:bodyPr wrap="square" rtlCol="0">
-            <a:spAutoFit/>
-          </a:bodyPr>
-          <a:lstStyle/>
-          <a:p>
-            <a:r>
-              <a:rPr lang="en-CA"/>
-              <a:t>Modflow-User-Tools version  1.42 faces</a:t>
-            </a:r>
-          </a:p>
-        </p:txBody>
-      </p:sp>
-    </p:spTree>
-    <p:extLst>
-      <p:ext uri="{BB962C8B-B14F-4D97-AF65-F5344CB8AC3E}">
-        <p14:creationId xmlns:p14="http://schemas.microsoft.com/office/powerpoint/2010/main" val="3630454788"/>
-      </p:ext>
-    </p:extLst>
-  </p:cSld>
-  <p:clrMapOvr>
-    <a:masterClrMapping/>
-  </p:clrMapOvr>
-</p:sld>
-</file>
-
-<file path=ppt/slides/slide5.xml><?xml version="1.0" encoding="utf-8"?>
-<p:sld xmlns:a="http://schemas.openxmlformats.org/drawingml/2006/main" xmlns:r="http://schemas.openxmlformats.org/officeDocument/2006/relationships" xmlns:p="http://schemas.openxmlformats.org/presentationml/2006/main">
-  <p:cSld>
-    <p:spTree>
-      <p:nvGrpSpPr>
-        <p:cNvPr id="1" name="">
-          <a:extLst>
-            <a:ext uri="{FF2B5EF4-FFF2-40B4-BE49-F238E27FC236}">
-              <a16:creationId xmlns:a16="http://schemas.microsoft.com/office/drawing/2014/main" id="{9E729398-C4EC-2F67-E845-EDA93BF30F73}"/>
-            </a:ext>
-          </a:extLst>
-        </p:cNvPr>
-        <p:cNvGrpSpPr/>
-        <p:nvPr/>
-      </p:nvGrpSpPr>
-      <p:grpSpPr>
-        <a:xfrm>
-          <a:off x="0" y="0"/>
-          <a:ext cx="0" cy="0"/>
-          <a:chOff x="0" y="0"/>
-          <a:chExt cx="0" cy="0"/>
-        </a:xfrm>
-      </p:grpSpPr>
-      <p:sp>
-        <p:nvSpPr>
-          <p:cNvPr id="2" name="Title 1">
-            <a:extLst>
-              <a:ext uri="{FF2B5EF4-FFF2-40B4-BE49-F238E27FC236}">
-                <a16:creationId xmlns:a16="http://schemas.microsoft.com/office/drawing/2014/main" id="{A42ED167-0EC4-9897-D760-8AA2D6AC6DAB}"/>
-              </a:ext>
-            </a:extLst>
-          </p:cNvPr>
-          <p:cNvSpPr>
-            <a:spLocks noGrp="1"/>
-          </p:cNvSpPr>
-          <p:nvPr>
-            <p:ph type="title"/>
-          </p:nvPr>
-        </p:nvSpPr>
-        <p:spPr/>
-        <p:txBody>
-          <a:bodyPr/>
-          <a:lstStyle/>
-          <a:p>
-            <a:r>
-              <a:rPr lang="en-CA"/>
-              <a:t>Abdul problem node-centred outflow results</a:t>
-            </a:r>
-          </a:p>
-        </p:txBody>
-      </p:sp>
-      <p:sp>
-        <p:nvSpPr>
-          <p:cNvPr id="3" name="Content Placeholder 2">
-            <a:extLst>
-              <a:ext uri="{FF2B5EF4-FFF2-40B4-BE49-F238E27FC236}">
-                <a16:creationId xmlns:a16="http://schemas.microsoft.com/office/drawing/2014/main" id="{D4CDF680-0FEA-843D-DD0D-9D6554323805}"/>
-              </a:ext>
-            </a:extLst>
-          </p:cNvPr>
-          <p:cNvSpPr>
-            <a:spLocks noGrp="1"/>
-          </p:cNvSpPr>
-          <p:nvPr>
-            <p:ph idx="1"/>
-          </p:nvPr>
-        </p:nvSpPr>
-        <p:spPr/>
-        <p:txBody>
-          <a:bodyPr/>
-          <a:lstStyle/>
-          <a:p>
-            <a:r>
-              <a:rPr lang="en-CA"/>
-              <a:t>Next 2 slides compare the results before and after code modification</a:t>
-            </a:r>
-          </a:p>
-          <a:p>
-            <a:endParaRPr lang="en-CA"/>
-          </a:p>
-        </p:txBody>
-      </p:sp>
-    </p:spTree>
-    <p:extLst>
-      <p:ext uri="{BB962C8B-B14F-4D97-AF65-F5344CB8AC3E}">
-        <p14:creationId xmlns:p14="http://schemas.microsoft.com/office/powerpoint/2010/main" val="424300905"/>
-      </p:ext>
-    </p:extLst>
-  </p:cSld>
-  <p:clrMapOvr>
-    <a:masterClrMapping/>
-  </p:clrMapOvr>
-</p:sld>
-</file>
-
-<file path=ppt/slides/slide6.xml><?xml version="1.0" encoding="utf-8"?>
-<p:sld xmlns:a="http://schemas.openxmlformats.org/drawingml/2006/main" xmlns:r="http://schemas.openxmlformats.org/officeDocument/2006/relationships" xmlns:p="http://schemas.openxmlformats.org/presentationml/2006/main">
-  <p:cSld>
-    <p:spTree>
-      <p:nvGrpSpPr>
-        <p:cNvPr id="1" name=""/>
-        <p:cNvGrpSpPr/>
-        <p:nvPr/>
-      </p:nvGrpSpPr>
-      <p:grpSpPr>
-        <a:xfrm>
-          <a:off x="0" y="0"/>
-          <a:ext cx="0" cy="0"/>
-          <a:chOff x="0" y="0"/>
-          <a:chExt cx="0" cy="0"/>
-        </a:xfrm>
-      </p:grpSpPr>
-      <p:pic>
-        <p:nvPicPr>
-          <p:cNvPr id="3" name="Picture 2">
-            <a:extLst>
-              <a:ext uri="{FF2B5EF4-FFF2-40B4-BE49-F238E27FC236}">
-                <a16:creationId xmlns:a16="http://schemas.microsoft.com/office/drawing/2014/main" id="{4E617B2A-23F9-01DA-E347-2BDE93D8275A}"/>
-              </a:ext>
-            </a:extLst>
-          </p:cNvPr>
-          <p:cNvPicPr>
-            <a:picLocks noChangeAspect="1"/>
-          </p:cNvPicPr>
-          <p:nvPr/>
-        </p:nvPicPr>
-        <p:blipFill>
-          <a:blip r:embed="rId2"/>
-          <a:stretch>
-            <a:fillRect/>
-          </a:stretch>
-        </p:blipFill>
-        <p:spPr>
-          <a:xfrm>
-            <a:off x="0" y="0"/>
-            <a:ext cx="12192000" cy="6858000"/>
-          </a:xfrm>
-          <a:prstGeom prst="rect">
-            <a:avLst/>
-          </a:prstGeom>
-        </p:spPr>
-      </p:pic>
-      <p:sp>
-        <p:nvSpPr>
-          <p:cNvPr id="4" name="TextBox 3">
-            <a:extLst>
-              <a:ext uri="{FF2B5EF4-FFF2-40B4-BE49-F238E27FC236}">
-                <a16:creationId xmlns:a16="http://schemas.microsoft.com/office/drawing/2014/main" id="{F66DC885-6DF4-274C-9EC6-8FD73B003CAB}"/>
-              </a:ext>
-            </a:extLst>
-          </p:cNvPr>
-          <p:cNvSpPr txBox="1"/>
-          <p:nvPr/>
-        </p:nvSpPr>
-        <p:spPr>
-          <a:xfrm>
-            <a:off x="7193281" y="104503"/>
-            <a:ext cx="4701830" cy="369332"/>
-          </a:xfrm>
-          <a:prstGeom prst="rect">
-            <a:avLst/>
-          </a:prstGeom>
-          <a:solidFill>
-            <a:srgbClr val="FFFF00"/>
-          </a:solidFill>
-        </p:spPr>
-        <p:txBody>
-          <a:bodyPr wrap="square" rtlCol="0">
-            <a:spAutoFit/>
-          </a:bodyPr>
-          <a:lstStyle/>
-          <a:p>
-            <a:r>
-              <a:rPr lang="en-CA"/>
-              <a:t>Modflow-User-Tools version  1.40 Beta</a:t>
-            </a:r>
-          </a:p>
-        </p:txBody>
-      </p:sp>
-    </p:spTree>
-    <p:extLst>
-      <p:ext uri="{BB962C8B-B14F-4D97-AF65-F5344CB8AC3E}">
-        <p14:creationId xmlns:p14="http://schemas.microsoft.com/office/powerpoint/2010/main" val="909064823"/>
-      </p:ext>
-    </p:extLst>
-  </p:cSld>
-  <p:clrMapOvr>
-    <a:masterClrMapping/>
-  </p:clrMapOvr>
-</p:sld>
-</file>
-
-<file path=ppt/slides/slide7.xml><?xml version="1.0" encoding="utf-8"?>
-<p:sld xmlns:a="http://schemas.openxmlformats.org/drawingml/2006/main" xmlns:r="http://schemas.openxmlformats.org/officeDocument/2006/relationships" xmlns:p="http://schemas.openxmlformats.org/presentationml/2006/main">
-  <p:cSld>
-    <p:spTree>
-      <p:nvGrpSpPr>
-        <p:cNvPr id="1" name=""/>
-        <p:cNvGrpSpPr/>
-        <p:nvPr/>
-      </p:nvGrpSpPr>
-      <p:grpSpPr>
-        <a:xfrm>
-          <a:off x="0" y="0"/>
-          <a:ext cx="0" cy="0"/>
-          <a:chOff x="0" y="0"/>
-          <a:chExt cx="0" cy="0"/>
-        </a:xfrm>
-      </p:grpSpPr>
-      <p:pic>
-        <p:nvPicPr>
-          <p:cNvPr id="3" name="Picture 2">
-            <a:extLst>
-              <a:ext uri="{FF2B5EF4-FFF2-40B4-BE49-F238E27FC236}">
-                <a16:creationId xmlns:a16="http://schemas.microsoft.com/office/drawing/2014/main" id="{C7873926-1053-4113-B7E2-8E912474F551}"/>
-              </a:ext>
-            </a:extLst>
-          </p:cNvPr>
-          <p:cNvPicPr>
-            <a:picLocks noChangeAspect="1"/>
-          </p:cNvPicPr>
-          <p:nvPr/>
-        </p:nvPicPr>
-        <p:blipFill>
-          <a:blip r:embed="rId2"/>
-          <a:stretch>
-            <a:fillRect/>
-          </a:stretch>
-        </p:blipFill>
-        <p:spPr>
-          <a:xfrm>
-            <a:off x="0" y="0"/>
-            <a:ext cx="12192000" cy="6858000"/>
-          </a:xfrm>
-          <a:prstGeom prst="rect">
-            <a:avLst/>
-          </a:prstGeom>
-        </p:spPr>
-      </p:pic>
-      <p:sp>
-        <p:nvSpPr>
-          <p:cNvPr id="4" name="TextBox 3">
-            <a:extLst>
-              <a:ext uri="{FF2B5EF4-FFF2-40B4-BE49-F238E27FC236}">
-                <a16:creationId xmlns:a16="http://schemas.microsoft.com/office/drawing/2014/main" id="{96F1E277-BE2D-0F2A-30B3-74F486D6736C}"/>
-              </a:ext>
-            </a:extLst>
-          </p:cNvPr>
-          <p:cNvSpPr txBox="1"/>
-          <p:nvPr/>
-        </p:nvSpPr>
-        <p:spPr>
-          <a:xfrm>
-            <a:off x="7193281" y="104503"/>
-            <a:ext cx="4701830" cy="369332"/>
-          </a:xfrm>
-          <a:prstGeom prst="rect">
-            <a:avLst/>
-          </a:prstGeom>
-          <a:solidFill>
-            <a:srgbClr val="FFFF00"/>
-          </a:solidFill>
-        </p:spPr>
-        <p:txBody>
-          <a:bodyPr wrap="square" rtlCol="0">
-            <a:spAutoFit/>
-          </a:bodyPr>
-          <a:lstStyle/>
-          <a:p>
-            <a:r>
-              <a:rPr lang="en-CA"/>
-              <a:t>Modflow-User-Tools version  1.42 faces</a:t>
-            </a:r>
-          </a:p>
-        </p:txBody>
-      </p:sp>
-    </p:spTree>
-    <p:extLst>
-      <p:ext uri="{BB962C8B-B14F-4D97-AF65-F5344CB8AC3E}">
-        <p14:creationId xmlns:p14="http://schemas.microsoft.com/office/powerpoint/2010/main" val="1742918837"/>
-      </p:ext>
-    </p:extLst>
-  </p:cSld>
-  <p:clrMapOvr>
-    <a:masterClrMapping/>
-  </p:clrMapOvr>
-</p:sld>
-</file>
-
-<file path=ppt/slides/slide8.xml><?xml version="1.0" encoding="utf-8"?>
-<p:sld xmlns:a="http://schemas.openxmlformats.org/drawingml/2006/main" xmlns:r="http://schemas.openxmlformats.org/officeDocument/2006/relationships" xmlns:p="http://schemas.openxmlformats.org/presentationml/2006/main">
-  <p:cSld>
-    <p:spTree>
-      <p:nvGrpSpPr>
-        <p:cNvPr id="1" name="">
-          <a:extLst>
-            <a:ext uri="{FF2B5EF4-FFF2-40B4-BE49-F238E27FC236}">
-              <a16:creationId xmlns:a16="http://schemas.microsoft.com/office/drawing/2014/main" id="{B9EF3C46-FECF-8F05-2CB6-396D3DAAEF78}"/>
-            </a:ext>
-          </a:extLst>
-        </p:cNvPr>
-        <p:cNvGrpSpPr/>
-        <p:nvPr/>
-      </p:nvGrpSpPr>
-      <p:grpSpPr>
-        <a:xfrm>
-          <a:off x="0" y="0"/>
-          <a:ext cx="0" cy="0"/>
-          <a:chOff x="0" y="0"/>
-          <a:chExt cx="0" cy="0"/>
-        </a:xfrm>
-      </p:grpSpPr>
-      <p:sp>
-        <p:nvSpPr>
-          <p:cNvPr id="2" name="Title 1">
-            <a:extLst>
-              <a:ext uri="{FF2B5EF4-FFF2-40B4-BE49-F238E27FC236}">
-                <a16:creationId xmlns:a16="http://schemas.microsoft.com/office/drawing/2014/main" id="{F459A5A8-A8B8-9548-12FC-A3041B380D79}"/>
-              </a:ext>
-            </a:extLst>
-          </p:cNvPr>
-          <p:cNvSpPr>
-            <a:spLocks noGrp="1"/>
-          </p:cNvSpPr>
-          <p:nvPr>
-            <p:ph type="title"/>
-          </p:nvPr>
-        </p:nvSpPr>
-        <p:spPr/>
-        <p:txBody>
-          <a:bodyPr>
-            <a:noAutofit/>
-          </a:bodyPr>
-          <a:lstStyle/>
-          <a:p>
-            <a:r>
-              <a:rPr lang="en-CA" sz="3600"/>
-              <a:t>8_V_catchment problem outflow results with latest version Modflow-User-Tools version  1.42 faces</a:t>
-            </a:r>
-            <a:br>
-              <a:rPr lang="en-CA" sz="3600"/>
-            </a:br>
-            <a:endParaRPr lang="en-CA" sz="3600"/>
-          </a:p>
-        </p:txBody>
-      </p:sp>
-      <p:sp>
-        <p:nvSpPr>
-          <p:cNvPr id="3" name="Content Placeholder 2">
-            <a:extLst>
-              <a:ext uri="{FF2B5EF4-FFF2-40B4-BE49-F238E27FC236}">
-                <a16:creationId xmlns:a16="http://schemas.microsoft.com/office/drawing/2014/main" id="{018833DF-DE18-A2E7-1429-9B5F0341C080}"/>
-              </a:ext>
-            </a:extLst>
-          </p:cNvPr>
-          <p:cNvSpPr>
-            <a:spLocks noGrp="1"/>
-          </p:cNvSpPr>
-          <p:nvPr>
-            <p:ph idx="1"/>
-          </p:nvPr>
-        </p:nvSpPr>
-        <p:spPr/>
-        <p:txBody>
-          <a:bodyPr/>
-          <a:lstStyle/>
-          <a:p>
-            <a:r>
-              <a:rPr lang="en-CA"/>
-              <a:t>Next 2 slides compare the results for mesh vs node-centred approaches</a:t>
-            </a:r>
-          </a:p>
-          <a:p>
-            <a:endParaRPr lang="en-CA"/>
-          </a:p>
-        </p:txBody>
-      </p:sp>
-    </p:spTree>
-    <p:extLst>
-      <p:ext uri="{BB962C8B-B14F-4D97-AF65-F5344CB8AC3E}">
-        <p14:creationId xmlns:p14="http://schemas.microsoft.com/office/powerpoint/2010/main" val="246194393"/>
-      </p:ext>
-    </p:extLst>
-  </p:cSld>
-  <p:clrMapOvr>
-    <a:masterClrMapping/>
-  </p:clrMapOvr>
-</p:sld>
-</file>
-
-<file path=ppt/slides/slide9.xml><?xml version="1.0" encoding="utf-8"?>
-<p:sld xmlns:a="http://schemas.openxmlformats.org/drawingml/2006/main" xmlns:r="http://schemas.openxmlformats.org/officeDocument/2006/relationships" xmlns:p="http://schemas.openxmlformats.org/presentationml/2006/main">
-  <p:cSld>
-    <p:spTree>
-      <p:nvGrpSpPr>
-        <p:cNvPr id="1" name=""/>
-        <p:cNvGrpSpPr/>
-        <p:nvPr/>
-      </p:nvGrpSpPr>
-      <p:grpSpPr>
-        <a:xfrm>
-          <a:off x="0" y="0"/>
-          <a:ext cx="0" cy="0"/>
-          <a:chOff x="0" y="0"/>
-          <a:chExt cx="0" cy="0"/>
-        </a:xfrm>
-      </p:grpSpPr>
-      <p:pic>
-        <p:nvPicPr>
-          <p:cNvPr id="3" name="Picture 2">
-            <a:extLst>
-              <a:ext uri="{FF2B5EF4-FFF2-40B4-BE49-F238E27FC236}">
-                <a16:creationId xmlns:a16="http://schemas.microsoft.com/office/drawing/2014/main" id="{C54463A1-7A2F-3AA6-1446-CDB16275DF53}"/>
-              </a:ext>
-            </a:extLst>
-          </p:cNvPr>
-          <p:cNvPicPr>
-            <a:picLocks noChangeAspect="1"/>
-          </p:cNvPicPr>
-          <p:nvPr/>
-        </p:nvPicPr>
-        <p:blipFill>
-          <a:blip r:embed="rId2"/>
-          <a:stretch>
-            <a:fillRect/>
-          </a:stretch>
-        </p:blipFill>
-        <p:spPr>
-          <a:xfrm>
-            <a:off x="0" y="0"/>
-            <a:ext cx="12192000" cy="6858000"/>
-          </a:xfrm>
-          <a:prstGeom prst="rect">
-            <a:avLst/>
-          </a:prstGeom>
-        </p:spPr>
-      </p:pic>
-      <p:sp>
-        <p:nvSpPr>
-          <p:cNvPr id="4" name="TextBox 3">
-            <a:extLst>
-              <a:ext uri="{FF2B5EF4-FFF2-40B4-BE49-F238E27FC236}">
-                <a16:creationId xmlns:a16="http://schemas.microsoft.com/office/drawing/2014/main" id="{A44FDED1-EAB1-7BCE-03C1-7AB918E9C656}"/>
-              </a:ext>
-            </a:extLst>
-          </p:cNvPr>
-          <p:cNvSpPr txBox="1"/>
-          <p:nvPr/>
-        </p:nvSpPr>
-        <p:spPr>
-          <a:xfrm>
-            <a:off x="7193281" y="104503"/>
-            <a:ext cx="4701830" cy="369332"/>
-          </a:xfrm>
-          <a:prstGeom prst="rect">
-            <a:avLst/>
-          </a:prstGeom>
-          <a:solidFill>
-            <a:srgbClr val="FFFF00"/>
-          </a:solidFill>
-        </p:spPr>
-        <p:txBody>
-          <a:bodyPr wrap="square" rtlCol="0">
-            <a:spAutoFit/>
-          </a:bodyPr>
-          <a:lstStyle/>
-          <a:p>
-            <a:r>
-              <a:rPr lang="en-CA"/>
-              <a:t>Mesh-centred</a:t>
-            </a:r>
-          </a:p>
-        </p:txBody>
-      </p:sp>
-    </p:spTree>
-    <p:extLst>
-      <p:ext uri="{BB962C8B-B14F-4D97-AF65-F5344CB8AC3E}">
-        <p14:creationId xmlns:p14="http://schemas.microsoft.com/office/powerpoint/2010/main" val="3610086033"/>
+        <p14:creationId xmlns:p14="http://schemas.microsoft.com/office/powerpoint/2010/main" val="1863741516"/>
       </p:ext>
     </p:extLst>
   </p:cSld>

--- a/Docs/Slides/Meeting June 25.pptx
+++ b/Docs/Slides/Meeting June 25.pptx
@@ -7,6 +7,8 @@
   <p:sldIdLst>
     <p:sldId id="305" r:id="rId2"/>
     <p:sldId id="306" r:id="rId3"/>
+    <p:sldId id="307" r:id="rId4"/>
+    <p:sldId id="308" r:id="rId5"/>
   </p:sldIdLst>
   <p:sldSz cx="12192000" cy="6858000"/>
   <p:notesSz cx="6858000" cy="9144000"/>
@@ -274,7 +276,7 @@
           <a:p>
             <a:fld id="{795C769C-ABF3-4C86-B447-994DD2EA1A41}" type="datetimeFigureOut">
               <a:rPr lang="en-CA" smtClean="0"/>
-              <a:t>2025-06-14</a:t>
+              <a:t>2025-06-16</a:t>
             </a:fld>
             <a:endParaRPr lang="en-CA"/>
           </a:p>
@@ -474,7 +476,7 @@
           <a:p>
             <a:fld id="{795C769C-ABF3-4C86-B447-994DD2EA1A41}" type="datetimeFigureOut">
               <a:rPr lang="en-CA" smtClean="0"/>
-              <a:t>2025-06-14</a:t>
+              <a:t>2025-06-16</a:t>
             </a:fld>
             <a:endParaRPr lang="en-CA"/>
           </a:p>
@@ -684,7 +686,7 @@
           <a:p>
             <a:fld id="{795C769C-ABF3-4C86-B447-994DD2EA1A41}" type="datetimeFigureOut">
               <a:rPr lang="en-CA" smtClean="0"/>
-              <a:t>2025-06-14</a:t>
+              <a:t>2025-06-16</a:t>
             </a:fld>
             <a:endParaRPr lang="en-CA"/>
           </a:p>
@@ -884,7 +886,7 @@
           <a:p>
             <a:fld id="{795C769C-ABF3-4C86-B447-994DD2EA1A41}" type="datetimeFigureOut">
               <a:rPr lang="en-CA" smtClean="0"/>
-              <a:t>2025-06-14</a:t>
+              <a:t>2025-06-16</a:t>
             </a:fld>
             <a:endParaRPr lang="en-CA"/>
           </a:p>
@@ -1160,7 +1162,7 @@
           <a:p>
             <a:fld id="{795C769C-ABF3-4C86-B447-994DD2EA1A41}" type="datetimeFigureOut">
               <a:rPr lang="en-CA" smtClean="0"/>
-              <a:t>2025-06-14</a:t>
+              <a:t>2025-06-16</a:t>
             </a:fld>
             <a:endParaRPr lang="en-CA"/>
           </a:p>
@@ -1428,7 +1430,7 @@
           <a:p>
             <a:fld id="{795C769C-ABF3-4C86-B447-994DD2EA1A41}" type="datetimeFigureOut">
               <a:rPr lang="en-CA" smtClean="0"/>
-              <a:t>2025-06-14</a:t>
+              <a:t>2025-06-16</a:t>
             </a:fld>
             <a:endParaRPr lang="en-CA"/>
           </a:p>
@@ -1843,7 +1845,7 @@
           <a:p>
             <a:fld id="{795C769C-ABF3-4C86-B447-994DD2EA1A41}" type="datetimeFigureOut">
               <a:rPr lang="en-CA" smtClean="0"/>
-              <a:t>2025-06-14</a:t>
+              <a:t>2025-06-16</a:t>
             </a:fld>
             <a:endParaRPr lang="en-CA"/>
           </a:p>
@@ -1985,7 +1987,7 @@
           <a:p>
             <a:fld id="{795C769C-ABF3-4C86-B447-994DD2EA1A41}" type="datetimeFigureOut">
               <a:rPr lang="en-CA" smtClean="0"/>
-              <a:t>2025-06-14</a:t>
+              <a:t>2025-06-16</a:t>
             </a:fld>
             <a:endParaRPr lang="en-CA"/>
           </a:p>
@@ -2098,7 +2100,7 @@
           <a:p>
             <a:fld id="{795C769C-ABF3-4C86-B447-994DD2EA1A41}" type="datetimeFigureOut">
               <a:rPr lang="en-CA" smtClean="0"/>
-              <a:t>2025-06-14</a:t>
+              <a:t>2025-06-16</a:t>
             </a:fld>
             <a:endParaRPr lang="en-CA"/>
           </a:p>
@@ -2411,7 +2413,7 @@
           <a:p>
             <a:fld id="{795C769C-ABF3-4C86-B447-994DD2EA1A41}" type="datetimeFigureOut">
               <a:rPr lang="en-CA" smtClean="0"/>
-              <a:t>2025-06-14</a:t>
+              <a:t>2025-06-16</a:t>
             </a:fld>
             <a:endParaRPr lang="en-CA"/>
           </a:p>
@@ -2700,7 +2702,7 @@
           <a:p>
             <a:fld id="{795C769C-ABF3-4C86-B447-994DD2EA1A41}" type="datetimeFigureOut">
               <a:rPr lang="en-CA" smtClean="0"/>
-              <a:t>2025-06-14</a:t>
+              <a:t>2025-06-16</a:t>
             </a:fld>
             <a:endParaRPr lang="en-CA"/>
           </a:p>
@@ -2943,7 +2945,7 @@
           <a:p>
             <a:fld id="{795C769C-ABF3-4C86-B447-994DD2EA1A41}" type="datetimeFigureOut">
               <a:rPr lang="en-CA" smtClean="0"/>
-              <a:t>2025-06-14</a:t>
+              <a:t>2025-06-16</a:t>
             </a:fld>
             <a:endParaRPr lang="en-CA"/>
           </a:p>
@@ -3429,7 +3431,7 @@
         <p:spPr>
           <a:xfrm>
             <a:off x="838200" y="1123406"/>
-            <a:ext cx="8725988" cy="4832092"/>
+            <a:ext cx="8725988" cy="5262979"/>
           </a:xfrm>
           <a:prstGeom prst="rect">
             <a:avLst/>
@@ -3468,7 +3470,7 @@
             </a:pPr>
             <a:r>
               <a:rPr lang="en-CA" sz="2800"/>
-              <a:t>There is a MUT_Batch program that has been configured to run the verification problems</a:t>
+              <a:t>Bug fix: when triangular element had all three nodes on outer boundary </a:t>
             </a:r>
           </a:p>
           <a:p>
@@ -3488,17 +3490,37 @@
             </a:pPr>
             <a:r>
               <a:rPr lang="en-CA" sz="2800"/>
-              <a:t>Bug with triangle boundry element having three boundary nodes fixed</a:t>
-            </a:r>
-          </a:p>
-          <a:p>
-            <a:pPr marL="285750" indent="-285750">
+              <a:t>In Visual Studio:  </a:t>
+            </a:r>
+          </a:p>
+          <a:p>
+            <a:pPr marL="742950" lvl="1" indent="-285750">
               <a:buFont typeface="Arial" panose="020B0604020202020204" pitchFamily="34" charset="0"/>
               <a:buChar char="•"/>
             </a:pPr>
             <a:r>
               <a:rPr lang="en-CA" sz="2800"/>
-              <a:t>Tested verification suite with Release mode version of MUT</a:t>
+              <a:t>MUT Release version (mut.exe) has been tested it.  </a:t>
+            </a:r>
+          </a:p>
+          <a:p>
+            <a:pPr marL="742950" lvl="1" indent="-285750">
+              <a:buFont typeface="Arial" panose="020B0604020202020204" pitchFamily="34" charset="0"/>
+              <a:buChar char="•"/>
+            </a:pPr>
+            <a:r>
+              <a:rPr lang="en-CA" sz="2800"/>
+              <a:t>If compiled in debug mode, the MUT execuable is called mut_debug.exe.  </a:t>
+            </a:r>
+          </a:p>
+          <a:p>
+            <a:pPr marL="742950" lvl="1" indent="-285750">
+              <a:buFont typeface="Arial" panose="020B0604020202020204" pitchFamily="34" charset="0"/>
+              <a:buChar char="•"/>
+            </a:pPr>
+            <a:r>
+              <a:rPr lang="en-CA" sz="2800"/>
+              <a:t>Both exe’s are copied to the USERBIN directory.</a:t>
             </a:r>
           </a:p>
         </p:txBody>
@@ -3577,20 +3599,22 @@
             <p:ph idx="1"/>
           </p:nvPr>
         </p:nvSpPr>
-        <p:spPr/>
-        <p:txBody>
-          <a:bodyPr/>
-          <a:lstStyle/>
-          <a:p>
+        <p:spPr>
+          <a:xfrm>
+            <a:off x="838200" y="1825625"/>
+            <a:ext cx="5736771" cy="4351338"/>
+          </a:xfrm>
+        </p:spPr>
+        <p:txBody>
+          <a:bodyPr>
+            <a:normAutofit lnSpcReduction="10000"/>
+          </a:bodyPr>
+          <a:lstStyle/>
+          <a:p>
+            <a:pPr marL="285750" indent="-285750"/>
             <a:r>
               <a:rPr lang="en-CA"/>
-              <a:t>This is similar to the old HGS HSBatch program</a:t>
-            </a:r>
-          </a:p>
-          <a:p>
-            <a:r>
-              <a:rPr lang="en-CA"/>
-              <a:t>The repository is here:</a:t>
+              <a:t>I now use this to run the verification problems with the Release mode version of MUT.  The repository is here:</a:t>
             </a:r>
           </a:p>
           <a:p>
@@ -3606,6 +3630,12 @@
             <a:endParaRPr lang="en-CA"/>
           </a:p>
           <a:p>
+            <a:r>
+              <a:rPr lang="en-CA"/>
+              <a:t>It is similar to the old HSBatch code and reads an input file containing directory names.  In my case, I have my verification problems in the directory and the input file is Run.MUTBatch.</a:t>
+            </a:r>
+          </a:p>
+          <a:p>
             <a:pPr marL="914400" lvl="2" indent="0">
               <a:buNone/>
             </a:pPr>
@@ -3622,10 +3652,459 @@
           </a:p>
         </p:txBody>
       </p:sp>
+      <p:pic>
+        <p:nvPicPr>
+          <p:cNvPr id="7" name="Picture 6">
+            <a:extLst>
+              <a:ext uri="{FF2B5EF4-FFF2-40B4-BE49-F238E27FC236}">
+                <a16:creationId xmlns:a16="http://schemas.microsoft.com/office/drawing/2014/main" id="{449DDB70-E60F-340D-C9A0-5D75BF453E92}"/>
+              </a:ext>
+            </a:extLst>
+          </p:cNvPr>
+          <p:cNvPicPr>
+            <a:picLocks noChangeAspect="1"/>
+          </p:cNvPicPr>
+          <p:nvPr/>
+        </p:nvPicPr>
+        <p:blipFill>
+          <a:blip r:embed="rId3"/>
+          <a:stretch>
+            <a:fillRect/>
+          </a:stretch>
+        </p:blipFill>
+        <p:spPr>
+          <a:xfrm>
+            <a:off x="8260944" y="365125"/>
+            <a:ext cx="2997062" cy="6170023"/>
+          </a:xfrm>
+          <a:prstGeom prst="rect">
+            <a:avLst/>
+          </a:prstGeom>
+        </p:spPr>
+      </p:pic>
     </p:spTree>
     <p:extLst>
       <p:ext uri="{BB962C8B-B14F-4D97-AF65-F5344CB8AC3E}">
         <p14:creationId xmlns:p14="http://schemas.microsoft.com/office/powerpoint/2010/main" val="1863741516"/>
+      </p:ext>
+    </p:extLst>
+  </p:cSld>
+  <p:clrMapOvr>
+    <a:masterClrMapping/>
+  </p:clrMapOvr>
+</p:sld>
+</file>
+
+<file path=ppt/slides/slide3.xml><?xml version="1.0" encoding="utf-8"?>
+<p:sld xmlns:a="http://schemas.openxmlformats.org/drawingml/2006/main" xmlns:r="http://schemas.openxmlformats.org/officeDocument/2006/relationships" xmlns:p="http://schemas.openxmlformats.org/presentationml/2006/main">
+  <p:cSld>
+    <p:spTree>
+      <p:nvGrpSpPr>
+        <p:cNvPr id="1" name=""/>
+        <p:cNvGrpSpPr/>
+        <p:nvPr/>
+      </p:nvGrpSpPr>
+      <p:grpSpPr>
+        <a:xfrm>
+          <a:off x="0" y="0"/>
+          <a:ext cx="0" cy="0"/>
+          <a:chOff x="0" y="0"/>
+          <a:chExt cx="0" cy="0"/>
+        </a:xfrm>
+      </p:grpSpPr>
+      <p:pic>
+        <p:nvPicPr>
+          <p:cNvPr id="7" name="Picture 6">
+            <a:extLst>
+              <a:ext uri="{FF2B5EF4-FFF2-40B4-BE49-F238E27FC236}">
+                <a16:creationId xmlns:a16="http://schemas.microsoft.com/office/drawing/2014/main" id="{2032C216-39A3-2E5B-1DDE-C0874CFC0C2C}"/>
+              </a:ext>
+            </a:extLst>
+          </p:cNvPr>
+          <p:cNvPicPr>
+            <a:picLocks noChangeAspect="1"/>
+          </p:cNvPicPr>
+          <p:nvPr/>
+        </p:nvPicPr>
+        <p:blipFill>
+          <a:blip r:embed="rId2"/>
+          <a:stretch>
+            <a:fillRect/>
+          </a:stretch>
+        </p:blipFill>
+        <p:spPr>
+          <a:xfrm>
+            <a:off x="7617090" y="606249"/>
+            <a:ext cx="2705478" cy="3172268"/>
+          </a:xfrm>
+          <a:prstGeom prst="rect">
+            <a:avLst/>
+          </a:prstGeom>
+        </p:spPr>
+      </p:pic>
+      <p:sp>
+        <p:nvSpPr>
+          <p:cNvPr id="8" name="Content Placeholder 2">
+            <a:extLst>
+              <a:ext uri="{FF2B5EF4-FFF2-40B4-BE49-F238E27FC236}">
+                <a16:creationId xmlns:a16="http://schemas.microsoft.com/office/drawing/2014/main" id="{ED3D3DEB-9DB5-02C3-7334-FA745058DF2C}"/>
+              </a:ext>
+            </a:extLst>
+          </p:cNvPr>
+          <p:cNvSpPr txBox="1">
+            <a:spLocks/>
+          </p:cNvSpPr>
+          <p:nvPr/>
+        </p:nvSpPr>
+        <p:spPr>
+          <a:xfrm>
+            <a:off x="812074" y="1033144"/>
+            <a:ext cx="6215743" cy="5306695"/>
+          </a:xfrm>
+          <a:prstGeom prst="rect">
+            <a:avLst/>
+          </a:prstGeom>
+        </p:spPr>
+        <p:txBody>
+          <a:bodyPr>
+            <a:normAutofit fontScale="92500" lnSpcReduction="10000"/>
+          </a:bodyPr>
+          <a:lstStyle>
+            <a:lvl1pPr marL="228600" indent="-228600" algn="l" defTabSz="914400" rtl="0" eaLnBrk="1" latinLnBrk="0" hangingPunct="1">
+              <a:lnSpc>
+                <a:spcPct val="90000"/>
+              </a:lnSpc>
+              <a:spcBef>
+                <a:spcPts val="1000"/>
+              </a:spcBef>
+              <a:buFont typeface="Arial" panose="020B0604020202020204" pitchFamily="34" charset="0"/>
+              <a:buChar char="•"/>
+              <a:defRPr sz="2800" kern="1200">
+                <a:solidFill>
+                  <a:schemeClr val="tx1"/>
+                </a:solidFill>
+                <a:latin typeface="+mn-lt"/>
+                <a:ea typeface="+mn-ea"/>
+                <a:cs typeface="+mn-cs"/>
+              </a:defRPr>
+            </a:lvl1pPr>
+            <a:lvl2pPr marL="685800" indent="-228600" algn="l" defTabSz="914400" rtl="0" eaLnBrk="1" latinLnBrk="0" hangingPunct="1">
+              <a:lnSpc>
+                <a:spcPct val="90000"/>
+              </a:lnSpc>
+              <a:spcBef>
+                <a:spcPts val="500"/>
+              </a:spcBef>
+              <a:buFont typeface="Arial" panose="020B0604020202020204" pitchFamily="34" charset="0"/>
+              <a:buChar char="•"/>
+              <a:defRPr sz="2400" kern="1200">
+                <a:solidFill>
+                  <a:schemeClr val="tx1"/>
+                </a:solidFill>
+                <a:latin typeface="+mn-lt"/>
+                <a:ea typeface="+mn-ea"/>
+                <a:cs typeface="+mn-cs"/>
+              </a:defRPr>
+            </a:lvl2pPr>
+            <a:lvl3pPr marL="1143000" indent="-228600" algn="l" defTabSz="914400" rtl="0" eaLnBrk="1" latinLnBrk="0" hangingPunct="1">
+              <a:lnSpc>
+                <a:spcPct val="90000"/>
+              </a:lnSpc>
+              <a:spcBef>
+                <a:spcPts val="500"/>
+              </a:spcBef>
+              <a:buFont typeface="Arial" panose="020B0604020202020204" pitchFamily="34" charset="0"/>
+              <a:buChar char="•"/>
+              <a:defRPr sz="2000" kern="1200">
+                <a:solidFill>
+                  <a:schemeClr val="tx1"/>
+                </a:solidFill>
+                <a:latin typeface="+mn-lt"/>
+                <a:ea typeface="+mn-ea"/>
+                <a:cs typeface="+mn-cs"/>
+              </a:defRPr>
+            </a:lvl3pPr>
+            <a:lvl4pPr marL="1600200" indent="-228600" algn="l" defTabSz="914400" rtl="0" eaLnBrk="1" latinLnBrk="0" hangingPunct="1">
+              <a:lnSpc>
+                <a:spcPct val="90000"/>
+              </a:lnSpc>
+              <a:spcBef>
+                <a:spcPts val="500"/>
+              </a:spcBef>
+              <a:buFont typeface="Arial" panose="020B0604020202020204" pitchFamily="34" charset="0"/>
+              <a:buChar char="•"/>
+              <a:defRPr sz="1800" kern="1200">
+                <a:solidFill>
+                  <a:schemeClr val="tx1"/>
+                </a:solidFill>
+                <a:latin typeface="+mn-lt"/>
+                <a:ea typeface="+mn-ea"/>
+                <a:cs typeface="+mn-cs"/>
+              </a:defRPr>
+            </a:lvl4pPr>
+            <a:lvl5pPr marL="2057400" indent="-228600" algn="l" defTabSz="914400" rtl="0" eaLnBrk="1" latinLnBrk="0" hangingPunct="1">
+              <a:lnSpc>
+                <a:spcPct val="90000"/>
+              </a:lnSpc>
+              <a:spcBef>
+                <a:spcPts val="500"/>
+              </a:spcBef>
+              <a:buFont typeface="Arial" panose="020B0604020202020204" pitchFamily="34" charset="0"/>
+              <a:buChar char="•"/>
+              <a:defRPr sz="1800" kern="1200">
+                <a:solidFill>
+                  <a:schemeClr val="tx1"/>
+                </a:solidFill>
+                <a:latin typeface="+mn-lt"/>
+                <a:ea typeface="+mn-ea"/>
+                <a:cs typeface="+mn-cs"/>
+              </a:defRPr>
+            </a:lvl5pPr>
+            <a:lvl6pPr marL="2514600" indent="-228600" algn="l" defTabSz="914400" rtl="0" eaLnBrk="1" latinLnBrk="0" hangingPunct="1">
+              <a:lnSpc>
+                <a:spcPct val="90000"/>
+              </a:lnSpc>
+              <a:spcBef>
+                <a:spcPts val="500"/>
+              </a:spcBef>
+              <a:buFont typeface="Arial" panose="020B0604020202020204" pitchFamily="34" charset="0"/>
+              <a:buChar char="•"/>
+              <a:defRPr sz="1800" kern="1200">
+                <a:solidFill>
+                  <a:schemeClr val="tx1"/>
+                </a:solidFill>
+                <a:latin typeface="+mn-lt"/>
+                <a:ea typeface="+mn-ea"/>
+                <a:cs typeface="+mn-cs"/>
+              </a:defRPr>
+            </a:lvl6pPr>
+            <a:lvl7pPr marL="2971800" indent="-228600" algn="l" defTabSz="914400" rtl="0" eaLnBrk="1" latinLnBrk="0" hangingPunct="1">
+              <a:lnSpc>
+                <a:spcPct val="90000"/>
+              </a:lnSpc>
+              <a:spcBef>
+                <a:spcPts val="500"/>
+              </a:spcBef>
+              <a:buFont typeface="Arial" panose="020B0604020202020204" pitchFamily="34" charset="0"/>
+              <a:buChar char="•"/>
+              <a:defRPr sz="1800" kern="1200">
+                <a:solidFill>
+                  <a:schemeClr val="tx1"/>
+                </a:solidFill>
+                <a:latin typeface="+mn-lt"/>
+                <a:ea typeface="+mn-ea"/>
+                <a:cs typeface="+mn-cs"/>
+              </a:defRPr>
+            </a:lvl7pPr>
+            <a:lvl8pPr marL="3429000" indent="-228600" algn="l" defTabSz="914400" rtl="0" eaLnBrk="1" latinLnBrk="0" hangingPunct="1">
+              <a:lnSpc>
+                <a:spcPct val="90000"/>
+              </a:lnSpc>
+              <a:spcBef>
+                <a:spcPts val="500"/>
+              </a:spcBef>
+              <a:buFont typeface="Arial" panose="020B0604020202020204" pitchFamily="34" charset="0"/>
+              <a:buChar char="•"/>
+              <a:defRPr sz="1800" kern="1200">
+                <a:solidFill>
+                  <a:schemeClr val="tx1"/>
+                </a:solidFill>
+                <a:latin typeface="+mn-lt"/>
+                <a:ea typeface="+mn-ea"/>
+                <a:cs typeface="+mn-cs"/>
+              </a:defRPr>
+            </a:lvl8pPr>
+            <a:lvl9pPr marL="3886200" indent="-228600" algn="l" defTabSz="914400" rtl="0" eaLnBrk="1" latinLnBrk="0" hangingPunct="1">
+              <a:lnSpc>
+                <a:spcPct val="90000"/>
+              </a:lnSpc>
+              <a:spcBef>
+                <a:spcPts val="500"/>
+              </a:spcBef>
+              <a:buFont typeface="Arial" panose="020B0604020202020204" pitchFamily="34" charset="0"/>
+              <a:buChar char="•"/>
+              <a:defRPr sz="1800" kern="1200">
+                <a:solidFill>
+                  <a:schemeClr val="tx1"/>
+                </a:solidFill>
+                <a:latin typeface="+mn-lt"/>
+                <a:ea typeface="+mn-ea"/>
+                <a:cs typeface="+mn-cs"/>
+              </a:defRPr>
+            </a:lvl9pPr>
+          </a:lstStyle>
+          <a:p>
+            <a:pPr marL="0" indent="0">
+              <a:buNone/>
+            </a:pPr>
+            <a:r>
+              <a:rPr lang="en-CA"/>
+              <a:t>MUT_Batch is hardwired to use the instructions:</a:t>
+            </a:r>
+          </a:p>
+          <a:p>
+            <a:pPr marL="742950" lvl="1" indent="-285750"/>
+            <a:r>
+              <a:rPr lang="en-CA"/>
+              <a:t>mut  _build</a:t>
+            </a:r>
+          </a:p>
+          <a:p>
+            <a:pPr marL="742950" lvl="1" indent="-285750"/>
+            <a:r>
+              <a:rPr lang="en-CA"/>
+              <a:t>USGS_1 modflow</a:t>
+            </a:r>
+          </a:p>
+          <a:p>
+            <a:pPr marL="742950" lvl="1" indent="-285750"/>
+            <a:r>
+              <a:rPr lang="en-CA"/>
+              <a:t>mut _post </a:t>
+            </a:r>
+          </a:p>
+          <a:p>
+            <a:pPr marL="0" indent="0">
+              <a:buNone/>
+            </a:pPr>
+            <a:r>
+              <a:rPr lang="en-CA"/>
+              <a:t>on each directory.</a:t>
+            </a:r>
+          </a:p>
+          <a:p>
+            <a:pPr marL="742950" lvl="1" indent="-285750"/>
+            <a:endParaRPr lang="en-CA"/>
+          </a:p>
+          <a:p>
+            <a:pPr marL="0" indent="0">
+              <a:buNone/>
+            </a:pPr>
+            <a:r>
+              <a:rPr lang="en-CA"/>
+              <a:t>There is a Tecplot layout file BatchComparisonPlots.lay that is set up to plot Current and Previous results.    It is hardwired to read the Tecplot output files from the Examples directory and compare these to results in a directory called “Examples – 1”.  </a:t>
+            </a:r>
+          </a:p>
+          <a:p>
+            <a:pPr marL="285750" indent="-285750"/>
+            <a:endParaRPr lang="en-CA"/>
+          </a:p>
+          <a:p>
+            <a:pPr marL="742950" lvl="1" indent="-285750"/>
+            <a:endParaRPr lang="en-CA"/>
+          </a:p>
+          <a:p>
+            <a:pPr marL="914400" lvl="2" indent="0">
+              <a:buFont typeface="Arial" panose="020B0604020202020204" pitchFamily="34" charset="0"/>
+              <a:buNone/>
+            </a:pPr>
+            <a:endParaRPr lang="en-CA"/>
+          </a:p>
+          <a:p>
+            <a:endParaRPr lang="en-CA"/>
+          </a:p>
+          <a:p>
+            <a:endParaRPr lang="en-CA"/>
+          </a:p>
+          <a:p>
+            <a:endParaRPr lang="en-CA"/>
+          </a:p>
+        </p:txBody>
+      </p:sp>
+      <p:pic>
+        <p:nvPicPr>
+          <p:cNvPr id="10" name="Picture 9">
+            <a:extLst>
+              <a:ext uri="{FF2B5EF4-FFF2-40B4-BE49-F238E27FC236}">
+                <a16:creationId xmlns:a16="http://schemas.microsoft.com/office/drawing/2014/main" id="{C646AFAB-E4C0-1495-901B-A6220EB34339}"/>
+              </a:ext>
+            </a:extLst>
+          </p:cNvPr>
+          <p:cNvPicPr>
+            <a:picLocks noChangeAspect="1"/>
+          </p:cNvPicPr>
+          <p:nvPr/>
+        </p:nvPicPr>
+        <p:blipFill>
+          <a:blip r:embed="rId3"/>
+          <a:stretch>
+            <a:fillRect/>
+          </a:stretch>
+        </p:blipFill>
+        <p:spPr>
+          <a:xfrm>
+            <a:off x="7750459" y="4441705"/>
+            <a:ext cx="2438740" cy="1057423"/>
+          </a:xfrm>
+          <a:prstGeom prst="rect">
+            <a:avLst/>
+          </a:prstGeom>
+        </p:spPr>
+      </p:pic>
+    </p:spTree>
+    <p:extLst>
+      <p:ext uri="{BB962C8B-B14F-4D97-AF65-F5344CB8AC3E}">
+        <p14:creationId xmlns:p14="http://schemas.microsoft.com/office/powerpoint/2010/main" val="1430314565"/>
+      </p:ext>
+    </p:extLst>
+  </p:cSld>
+  <p:clrMapOvr>
+    <a:masterClrMapping/>
+  </p:clrMapOvr>
+</p:sld>
+</file>
+
+<file path=ppt/slides/slide4.xml><?xml version="1.0" encoding="utf-8"?>
+<p:sld xmlns:a="http://schemas.openxmlformats.org/drawingml/2006/main" xmlns:r="http://schemas.openxmlformats.org/officeDocument/2006/relationships" xmlns:p="http://schemas.openxmlformats.org/presentationml/2006/main">
+  <p:cSld>
+    <p:spTree>
+      <p:nvGrpSpPr>
+        <p:cNvPr id="1" name=""/>
+        <p:cNvGrpSpPr/>
+        <p:nvPr/>
+      </p:nvGrpSpPr>
+      <p:grpSpPr>
+        <a:xfrm>
+          <a:off x="0" y="0"/>
+          <a:ext cx="0" cy="0"/>
+          <a:chOff x="0" y="0"/>
+          <a:chExt cx="0" cy="0"/>
+        </a:xfrm>
+      </p:grpSpPr>
+      <p:pic>
+        <p:nvPicPr>
+          <p:cNvPr id="3" name="Picture 2">
+            <a:extLst>
+              <a:ext uri="{FF2B5EF4-FFF2-40B4-BE49-F238E27FC236}">
+                <a16:creationId xmlns:a16="http://schemas.microsoft.com/office/drawing/2014/main" id="{E1ED1CC9-36B5-2025-0B89-A42C0308103A}"/>
+              </a:ext>
+            </a:extLst>
+          </p:cNvPr>
+          <p:cNvPicPr>
+            <a:picLocks noChangeAspect="1"/>
+          </p:cNvPicPr>
+          <p:nvPr/>
+        </p:nvPicPr>
+        <p:blipFill>
+          <a:blip r:embed="rId2"/>
+          <a:stretch>
+            <a:fillRect/>
+          </a:stretch>
+        </p:blipFill>
+        <p:spPr>
+          <a:xfrm>
+            <a:off x="0" y="0"/>
+            <a:ext cx="12192000" cy="6858000"/>
+          </a:xfrm>
+          <a:prstGeom prst="rect">
+            <a:avLst/>
+          </a:prstGeom>
+        </p:spPr>
+      </p:pic>
+    </p:spTree>
+    <p:extLst>
+      <p:ext uri="{BB962C8B-B14F-4D97-AF65-F5344CB8AC3E}">
+        <p14:creationId xmlns:p14="http://schemas.microsoft.com/office/powerpoint/2010/main" val="4044340077"/>
       </p:ext>
     </p:extLst>
   </p:cSld>
